--- a/PPT/Python00-Intro.pptx
+++ b/PPT/Python00-Intro.pptx
@@ -5,13 +5,14 @@
     <p:sldMasterId id="2147483653" r:id="rId1"/>
   </p:sldMasterIdLst>
   <p:notesMasterIdLst>
-    <p:notesMasterId r:id="rId3"/>
+    <p:notesMasterId r:id="rId4"/>
   </p:notesMasterIdLst>
   <p:handoutMasterIdLst>
-    <p:handoutMasterId r:id="rId4"/>
+    <p:handoutMasterId r:id="rId5"/>
   </p:handoutMasterIdLst>
   <p:sldIdLst>
     <p:sldId id="264" r:id="rId2"/>
+    <p:sldId id="265" r:id="rId3"/>
   </p:sldIdLst>
   <p:sldSz cx="9144000" cy="6858000" type="screen4x3"/>
   <p:notesSz cx="6648450" cy="9782175"/>
@@ -604,35 +605,35 @@
           <a:p>
             <a:pPr lvl="0"/>
             <a:r>
-              <a:rPr lang="fr-FR" noProof="0" smtClean="0"/>
+              <a:rPr lang="fr-FR" noProof="0"/>
               <a:t>Cliquez pour modifier les styles du texte du masque</a:t>
             </a:r>
           </a:p>
           <a:p>
             <a:pPr lvl="1"/>
             <a:r>
-              <a:rPr lang="fr-FR" noProof="0" smtClean="0"/>
+              <a:rPr lang="fr-FR" noProof="0"/>
               <a:t>Deuxième niveau</a:t>
             </a:r>
           </a:p>
           <a:p>
             <a:pPr lvl="2"/>
             <a:r>
-              <a:rPr lang="fr-FR" noProof="0" smtClean="0"/>
+              <a:rPr lang="fr-FR" noProof="0"/>
               <a:t>Troisième niveau</a:t>
             </a:r>
           </a:p>
           <a:p>
             <a:pPr lvl="3"/>
             <a:r>
-              <a:rPr lang="fr-FR" noProof="0" smtClean="0"/>
+              <a:rPr lang="fr-FR" noProof="0"/>
               <a:t>Quatrième niveau</a:t>
             </a:r>
           </a:p>
           <a:p>
             <a:pPr lvl="4"/>
             <a:r>
-              <a:rPr lang="fr-FR" noProof="0" smtClean="0"/>
+              <a:rPr lang="fr-FR" noProof="0"/>
               <a:t>Cinquième niveau</a:t>
             </a:r>
           </a:p>
@@ -920,10 +921,9 @@
           <a:lstStyle/>
           <a:p>
             <a:r>
-              <a:rPr lang="fr-FR" smtClean="0"/>
+              <a:rPr lang="fr-FR"/>
               <a:t>Cliquez pour modifier le style du titre</a:t>
             </a:r>
-            <a:endParaRPr lang="fr-FR"/>
           </a:p>
         </p:txBody>
       </p:sp>
@@ -985,10 +985,9 @@
           </a:lstStyle>
           <a:p>
             <a:r>
-              <a:rPr lang="fr-FR" smtClean="0"/>
+              <a:rPr lang="fr-FR"/>
               <a:t>Cliquez pour modifier le style des sous-titres du masque</a:t>
             </a:r>
-            <a:endParaRPr lang="fr-FR"/>
           </a:p>
         </p:txBody>
       </p:sp>
@@ -1043,10 +1042,9 @@
           <a:lstStyle/>
           <a:p>
             <a:r>
-              <a:rPr lang="fr-FR" smtClean="0"/>
+              <a:rPr lang="fr-FR"/>
               <a:t>Cliquez pour modifier le style du titre</a:t>
             </a:r>
-            <a:endParaRPr lang="fr-FR"/>
           </a:p>
         </p:txBody>
       </p:sp>
@@ -1072,38 +1070,37 @@
           <a:p>
             <a:pPr lvl="0"/>
             <a:r>
-              <a:rPr lang="fr-FR" smtClean="0"/>
+              <a:rPr lang="fr-FR"/>
               <a:t>Cliquez pour modifier les styles du texte du masque</a:t>
             </a:r>
           </a:p>
           <a:p>
             <a:pPr lvl="1"/>
             <a:r>
-              <a:rPr lang="fr-FR" smtClean="0"/>
+              <a:rPr lang="fr-FR"/>
               <a:t>Deuxième niveau</a:t>
             </a:r>
           </a:p>
           <a:p>
             <a:pPr lvl="2"/>
             <a:r>
-              <a:rPr lang="fr-FR" smtClean="0"/>
+              <a:rPr lang="fr-FR"/>
               <a:t>Troisième niveau</a:t>
             </a:r>
           </a:p>
           <a:p>
             <a:pPr lvl="3"/>
             <a:r>
-              <a:rPr lang="fr-FR" smtClean="0"/>
+              <a:rPr lang="fr-FR"/>
               <a:t>Quatrième niveau</a:t>
             </a:r>
           </a:p>
           <a:p>
             <a:pPr lvl="4"/>
             <a:r>
-              <a:rPr lang="fr-FR" smtClean="0"/>
+              <a:rPr lang="fr-FR"/>
               <a:t>Cinquième niveau</a:t>
             </a:r>
-            <a:endParaRPr lang="fr-FR"/>
           </a:p>
         </p:txBody>
       </p:sp>
@@ -1162,10 +1159,9 @@
           </a:lstStyle>
           <a:p>
             <a:r>
-              <a:rPr lang="fr-FR" dirty="0" smtClean="0"/>
+              <a:rPr lang="fr-FR" dirty="0"/>
               <a:t>Cliquez pour modifier le style du titre</a:t>
             </a:r>
-            <a:endParaRPr lang="fr-FR" dirty="0"/>
           </a:p>
         </p:txBody>
       </p:sp>
@@ -1191,38 +1187,37 @@
           <a:p>
             <a:pPr lvl="0"/>
             <a:r>
-              <a:rPr lang="fr-FR" dirty="0" smtClean="0"/>
+              <a:rPr lang="fr-FR" dirty="0"/>
               <a:t>Cliquez pour modifier les styles du texte du masque</a:t>
             </a:r>
           </a:p>
           <a:p>
             <a:pPr lvl="1"/>
             <a:r>
-              <a:rPr lang="fr-FR" dirty="0" smtClean="0"/>
+              <a:rPr lang="fr-FR" dirty="0"/>
               <a:t>Deuxième niveau</a:t>
             </a:r>
           </a:p>
           <a:p>
             <a:pPr lvl="2"/>
             <a:r>
-              <a:rPr lang="fr-FR" dirty="0" smtClean="0"/>
+              <a:rPr lang="fr-FR" dirty="0"/>
               <a:t>Troisième niveau</a:t>
             </a:r>
           </a:p>
           <a:p>
             <a:pPr lvl="3"/>
             <a:r>
-              <a:rPr lang="fr-FR" dirty="0" smtClean="0"/>
+              <a:rPr lang="fr-FR" dirty="0"/>
               <a:t>Quatrième niveau</a:t>
             </a:r>
           </a:p>
           <a:p>
             <a:pPr lvl="4"/>
             <a:r>
-              <a:rPr lang="fr-FR" dirty="0" smtClean="0"/>
+              <a:rPr lang="fr-FR" dirty="0"/>
               <a:t>Cinquième niveau</a:t>
             </a:r>
-            <a:endParaRPr lang="fr-FR" dirty="0"/>
           </a:p>
         </p:txBody>
       </p:sp>
@@ -1272,10 +1267,9 @@
           <a:lstStyle/>
           <a:p>
             <a:r>
-              <a:rPr lang="fr-FR" smtClean="0"/>
+              <a:rPr lang="fr-FR"/>
               <a:t>Cliquez pour modifier le style du titre</a:t>
             </a:r>
-            <a:endParaRPr lang="fr-FR"/>
           </a:p>
         </p:txBody>
       </p:sp>
@@ -1329,38 +1323,37 @@
           <a:p>
             <a:pPr lvl="0"/>
             <a:r>
-              <a:rPr lang="fr-FR" smtClean="0"/>
+              <a:rPr lang="fr-FR"/>
               <a:t>Cliquez pour modifier les styles du texte du masque</a:t>
             </a:r>
           </a:p>
           <a:p>
             <a:pPr lvl="1"/>
             <a:r>
-              <a:rPr lang="fr-FR" smtClean="0"/>
+              <a:rPr lang="fr-FR"/>
               <a:t>Deuxième niveau</a:t>
             </a:r>
           </a:p>
           <a:p>
             <a:pPr lvl="2"/>
             <a:r>
-              <a:rPr lang="fr-FR" smtClean="0"/>
+              <a:rPr lang="fr-FR"/>
               <a:t>Troisième niveau</a:t>
             </a:r>
           </a:p>
           <a:p>
             <a:pPr lvl="3"/>
             <a:r>
-              <a:rPr lang="fr-FR" smtClean="0"/>
+              <a:rPr lang="fr-FR"/>
               <a:t>Quatrième niveau</a:t>
             </a:r>
           </a:p>
           <a:p>
             <a:pPr lvl="4"/>
             <a:r>
-              <a:rPr lang="fr-FR" smtClean="0"/>
+              <a:rPr lang="fr-FR"/>
               <a:t>Cinquième niveau</a:t>
             </a:r>
-            <a:endParaRPr lang="fr-FR"/>
           </a:p>
         </p:txBody>
       </p:sp>
@@ -1414,38 +1407,37 @@
           <a:p>
             <a:pPr lvl="0"/>
             <a:r>
-              <a:rPr lang="fr-FR" smtClean="0"/>
+              <a:rPr lang="fr-FR"/>
               <a:t>Cliquez pour modifier les styles du texte du masque</a:t>
             </a:r>
           </a:p>
           <a:p>
             <a:pPr lvl="1"/>
             <a:r>
-              <a:rPr lang="fr-FR" smtClean="0"/>
+              <a:rPr lang="fr-FR"/>
               <a:t>Deuxième niveau</a:t>
             </a:r>
           </a:p>
           <a:p>
             <a:pPr lvl="2"/>
             <a:r>
-              <a:rPr lang="fr-FR" smtClean="0"/>
+              <a:rPr lang="fr-FR"/>
               <a:t>Troisième niveau</a:t>
             </a:r>
           </a:p>
           <a:p>
             <a:pPr lvl="3"/>
             <a:r>
-              <a:rPr lang="fr-FR" smtClean="0"/>
+              <a:rPr lang="fr-FR"/>
               <a:t>Quatrième niveau</a:t>
             </a:r>
           </a:p>
           <a:p>
             <a:pPr lvl="4"/>
             <a:r>
-              <a:rPr lang="fr-FR" smtClean="0"/>
+              <a:rPr lang="fr-FR"/>
               <a:t>Cinquième niveau</a:t>
             </a:r>
-            <a:endParaRPr lang="fr-FR"/>
           </a:p>
         </p:txBody>
       </p:sp>
@@ -1504,10 +1496,9 @@
           </a:lstStyle>
           <a:p>
             <a:r>
-              <a:rPr lang="fr-FR" smtClean="0"/>
+              <a:rPr lang="fr-FR"/>
               <a:t>Cliquez pour modifier le style du titre</a:t>
             </a:r>
-            <a:endParaRPr lang="fr-FR"/>
           </a:p>
         </p:txBody>
       </p:sp>
@@ -1570,7 +1561,7 @@
           <a:p>
             <a:pPr lvl="0"/>
             <a:r>
-              <a:rPr lang="fr-FR" smtClean="0"/>
+              <a:rPr lang="fr-FR"/>
               <a:t>Cliquez pour modifier les styles du texte du masque</a:t>
             </a:r>
           </a:p>
@@ -1626,38 +1617,37 @@
           <a:p>
             <a:pPr lvl="0"/>
             <a:r>
-              <a:rPr lang="fr-FR" smtClean="0"/>
+              <a:rPr lang="fr-FR"/>
               <a:t>Cliquez pour modifier les styles du texte du masque</a:t>
             </a:r>
           </a:p>
           <a:p>
             <a:pPr lvl="1"/>
             <a:r>
-              <a:rPr lang="fr-FR" smtClean="0"/>
+              <a:rPr lang="fr-FR"/>
               <a:t>Deuxième niveau</a:t>
             </a:r>
           </a:p>
           <a:p>
             <a:pPr lvl="2"/>
             <a:r>
-              <a:rPr lang="fr-FR" smtClean="0"/>
+              <a:rPr lang="fr-FR"/>
               <a:t>Troisième niveau</a:t>
             </a:r>
           </a:p>
           <a:p>
             <a:pPr lvl="3"/>
             <a:r>
-              <a:rPr lang="fr-FR" smtClean="0"/>
+              <a:rPr lang="fr-FR"/>
               <a:t>Quatrième niveau</a:t>
             </a:r>
           </a:p>
           <a:p>
             <a:pPr lvl="4"/>
             <a:r>
-              <a:rPr lang="fr-FR" smtClean="0"/>
+              <a:rPr lang="fr-FR"/>
               <a:t>Cinquième niveau</a:t>
             </a:r>
-            <a:endParaRPr lang="fr-FR"/>
           </a:p>
         </p:txBody>
       </p:sp>
@@ -1720,7 +1710,7 @@
           <a:p>
             <a:pPr lvl="0"/>
             <a:r>
-              <a:rPr lang="fr-FR" smtClean="0"/>
+              <a:rPr lang="fr-FR"/>
               <a:t>Cliquez pour modifier les styles du texte du masque</a:t>
             </a:r>
           </a:p>
@@ -1776,38 +1766,37 @@
           <a:p>
             <a:pPr lvl="0"/>
             <a:r>
-              <a:rPr lang="fr-FR" smtClean="0"/>
+              <a:rPr lang="fr-FR"/>
               <a:t>Cliquez pour modifier les styles du texte du masque</a:t>
             </a:r>
           </a:p>
           <a:p>
             <a:pPr lvl="1"/>
             <a:r>
-              <a:rPr lang="fr-FR" smtClean="0"/>
+              <a:rPr lang="fr-FR"/>
               <a:t>Deuxième niveau</a:t>
             </a:r>
           </a:p>
           <a:p>
             <a:pPr lvl="2"/>
             <a:r>
-              <a:rPr lang="fr-FR" smtClean="0"/>
+              <a:rPr lang="fr-FR"/>
               <a:t>Troisième niveau</a:t>
             </a:r>
           </a:p>
           <a:p>
             <a:pPr lvl="3"/>
             <a:r>
-              <a:rPr lang="fr-FR" smtClean="0"/>
+              <a:rPr lang="fr-FR"/>
               <a:t>Quatrième niveau</a:t>
             </a:r>
           </a:p>
           <a:p>
             <a:pPr lvl="4"/>
             <a:r>
-              <a:rPr lang="fr-FR" smtClean="0"/>
+              <a:rPr lang="fr-FR"/>
               <a:t>Cinquième niveau</a:t>
             </a:r>
-            <a:endParaRPr lang="fr-FR"/>
           </a:p>
         </p:txBody>
       </p:sp>
@@ -1857,10 +1846,9 @@
           <a:lstStyle/>
           <a:p>
             <a:r>
-              <a:rPr lang="fr-FR" smtClean="0"/>
+              <a:rPr lang="fr-FR"/>
               <a:t>Cliquez pour modifier le style du titre</a:t>
             </a:r>
-            <a:endParaRPr lang="fr-FR"/>
           </a:p>
         </p:txBody>
       </p:sp>
@@ -1949,10 +1937,9 @@
           </a:lstStyle>
           <a:p>
             <a:r>
-              <a:rPr lang="fr-FR" smtClean="0"/>
+              <a:rPr lang="fr-FR"/>
               <a:t>Cliquez pour modifier le style du titre</a:t>
             </a:r>
-            <a:endParaRPr lang="fr-FR"/>
           </a:p>
         </p:txBody>
       </p:sp>
@@ -2006,38 +1993,37 @@
           <a:p>
             <a:pPr lvl="0"/>
             <a:r>
-              <a:rPr lang="fr-FR" smtClean="0"/>
+              <a:rPr lang="fr-FR"/>
               <a:t>Cliquez pour modifier les styles du texte du masque</a:t>
             </a:r>
           </a:p>
           <a:p>
             <a:pPr lvl="1"/>
             <a:r>
-              <a:rPr lang="fr-FR" smtClean="0"/>
+              <a:rPr lang="fr-FR"/>
               <a:t>Deuxième niveau</a:t>
             </a:r>
           </a:p>
           <a:p>
             <a:pPr lvl="2"/>
             <a:r>
-              <a:rPr lang="fr-FR" smtClean="0"/>
+              <a:rPr lang="fr-FR"/>
               <a:t>Troisième niveau</a:t>
             </a:r>
           </a:p>
           <a:p>
             <a:pPr lvl="3"/>
             <a:r>
-              <a:rPr lang="fr-FR" smtClean="0"/>
+              <a:rPr lang="fr-FR"/>
               <a:t>Quatrième niveau</a:t>
             </a:r>
           </a:p>
           <a:p>
             <a:pPr lvl="4"/>
             <a:r>
-              <a:rPr lang="fr-FR" smtClean="0"/>
+              <a:rPr lang="fr-FR"/>
               <a:t>Cinquième niveau</a:t>
             </a:r>
-            <a:endParaRPr lang="fr-FR"/>
           </a:p>
         </p:txBody>
       </p:sp>
@@ -2100,7 +2086,7 @@
           <a:p>
             <a:pPr lvl="0"/>
             <a:r>
-              <a:rPr lang="fr-FR" smtClean="0"/>
+              <a:rPr lang="fr-FR"/>
               <a:t>Cliquez pour modifier les styles du texte du masque</a:t>
             </a:r>
           </a:p>
@@ -2161,10 +2147,9 @@
           </a:lstStyle>
           <a:p>
             <a:r>
-              <a:rPr lang="fr-FR" smtClean="0"/>
+              <a:rPr lang="fr-FR"/>
               <a:t>Cliquez pour modifier le style du titre</a:t>
             </a:r>
-            <a:endParaRPr lang="fr-FR"/>
           </a:p>
         </p:txBody>
       </p:sp>
@@ -2226,7 +2211,7 @@
           </a:lstStyle>
           <a:p>
             <a:pPr lvl="0"/>
-            <a:endParaRPr lang="fr-FR" noProof="0" smtClean="0"/>
+            <a:endParaRPr lang="fr-FR" noProof="0"/>
           </a:p>
         </p:txBody>
       </p:sp>
@@ -2289,7 +2274,7 @@
           <a:p>
             <a:pPr lvl="0"/>
             <a:r>
-              <a:rPr lang="fr-FR" smtClean="0"/>
+              <a:rPr lang="fr-FR"/>
               <a:t>Cliquez pour modifier les styles du texte du masque</a:t>
             </a:r>
           </a:p>
@@ -2341,10 +2326,9 @@
           <a:lstStyle/>
           <a:p>
             <a:r>
-              <a:rPr lang="fr-FR" smtClean="0"/>
+              <a:rPr lang="fr-FR"/>
               <a:t>Cliquez pour modifier le style du titre</a:t>
             </a:r>
-            <a:endParaRPr lang="fr-FR"/>
           </a:p>
         </p:txBody>
       </p:sp>
@@ -2365,38 +2349,37 @@
           <a:p>
             <a:pPr lvl="0"/>
             <a:r>
-              <a:rPr lang="fr-FR" smtClean="0"/>
+              <a:rPr lang="fr-FR"/>
               <a:t>Cliquez pour modifier les styles du texte du masque</a:t>
             </a:r>
           </a:p>
           <a:p>
             <a:pPr lvl="1"/>
             <a:r>
-              <a:rPr lang="fr-FR" smtClean="0"/>
+              <a:rPr lang="fr-FR"/>
               <a:t>Deuxième niveau</a:t>
             </a:r>
           </a:p>
           <a:p>
             <a:pPr lvl="2"/>
             <a:r>
-              <a:rPr lang="fr-FR" smtClean="0"/>
+              <a:rPr lang="fr-FR"/>
               <a:t>Troisième niveau</a:t>
             </a:r>
           </a:p>
           <a:p>
             <a:pPr lvl="3"/>
             <a:r>
-              <a:rPr lang="fr-FR" smtClean="0"/>
+              <a:rPr lang="fr-FR"/>
               <a:t>Quatrième niveau</a:t>
             </a:r>
           </a:p>
           <a:p>
             <a:pPr lvl="4"/>
             <a:r>
-              <a:rPr lang="fr-FR" smtClean="0"/>
+              <a:rPr lang="fr-FR"/>
               <a:t>Cinquième niveau</a:t>
             </a:r>
-            <a:endParaRPr lang="fr-FR"/>
           </a:p>
         </p:txBody>
       </p:sp>
@@ -2577,7 +2560,7 @@
             <a:pPr eaLnBrk="1" hangingPunct="1">
               <a:defRPr/>
             </a:pPr>
-            <a:endParaRPr lang="fr-FR" altLang="fr-FR" smtClean="0"/>
+            <a:endParaRPr lang="fr-FR" altLang="fr-FR"/>
           </a:p>
         </p:txBody>
       </p:sp>
@@ -2731,7 +2714,7 @@
               <a:defRPr/>
             </a:pPr>
             <a:r>
-              <a:rPr lang="fr-FR" sz="1200" dirty="0" smtClean="0"/>
+              <a:rPr lang="fr-FR" sz="1200" dirty="0"/>
               <a:t>Page </a:t>
             </a:r>
             <a:fld id="{E218E9B1-FD08-4C80-902E-210BA2967D0D}" type="slidenum">
@@ -2744,7 +2727,7 @@
               </a:pPr>
               <a:t>‹N°›</a:t>
             </a:fld>
-            <a:endParaRPr lang="fr-FR" dirty="0" smtClean="0">
+            <a:endParaRPr lang="fr-FR" dirty="0">
               <a:latin typeface="Times New Roman" pitchFamily="18" charset="0"/>
             </a:endParaRPr>
           </a:p>
@@ -2900,10 +2883,10 @@
               <a:defRPr/>
             </a:pPr>
             <a:r>
-              <a:rPr lang="fr-FR" sz="1600" dirty="0" smtClean="0"/>
+              <a:rPr lang="fr-FR" sz="1600" dirty="0"/>
               <a:t>Python</a:t>
             </a:r>
-            <a:endParaRPr lang="fr-FR" dirty="0" smtClean="0">
+            <a:endParaRPr lang="fr-FR" dirty="0">
               <a:latin typeface="Times New Roman" pitchFamily="18" charset="0"/>
             </a:endParaRPr>
           </a:p>
@@ -2961,7 +2944,7 @@
           <a:p>
             <a:pPr lvl="0"/>
             <a:r>
-              <a:rPr lang="fr-FR" altLang="fr-FR" smtClean="0"/>
+              <a:rPr lang="fr-FR" altLang="fr-FR"/>
               <a:t>Cliquez pour modifier le style du titre du masque</a:t>
             </a:r>
           </a:p>
@@ -3019,35 +3002,35 @@
           <a:p>
             <a:pPr lvl="0"/>
             <a:r>
-              <a:rPr lang="fr-FR" altLang="fr-FR" smtClean="0"/>
+              <a:rPr lang="fr-FR" altLang="fr-FR"/>
               <a:t>Cliquez pour modifier les styles du texte du masque</a:t>
             </a:r>
           </a:p>
           <a:p>
             <a:pPr lvl="1"/>
             <a:r>
-              <a:rPr lang="fr-FR" altLang="fr-FR" smtClean="0"/>
+              <a:rPr lang="fr-FR" altLang="fr-FR"/>
               <a:t>Deuxième niveau</a:t>
             </a:r>
           </a:p>
           <a:p>
             <a:pPr lvl="2"/>
             <a:r>
-              <a:rPr lang="fr-FR" altLang="fr-FR" smtClean="0"/>
+              <a:rPr lang="fr-FR" altLang="fr-FR"/>
               <a:t>Troisième niveau</a:t>
             </a:r>
           </a:p>
           <a:p>
             <a:pPr lvl="3"/>
             <a:r>
-              <a:rPr lang="fr-FR" altLang="fr-FR" smtClean="0"/>
+              <a:rPr lang="fr-FR" altLang="fr-FR"/>
               <a:t>Quatrième niveau</a:t>
             </a:r>
           </a:p>
           <a:p>
             <a:pPr lvl="4"/>
             <a:r>
-              <a:rPr lang="fr-FR" altLang="fr-FR" smtClean="0"/>
+              <a:rPr lang="fr-FR" altLang="fr-FR"/>
               <a:t>Cinquième niveau</a:t>
             </a:r>
           </a:p>
@@ -3203,10 +3186,10 @@
               <a:defRPr/>
             </a:pPr>
             <a:r>
-              <a:rPr lang="fr-FR" sz="1200" smtClean="0"/>
+              <a:rPr lang="fr-FR" sz="1200"/>
               <a:t>© Cyril Vincent Conseil</a:t>
             </a:r>
-            <a:endParaRPr lang="fr-FR" smtClean="0">
+            <a:endParaRPr lang="fr-FR">
               <a:latin typeface="Times New Roman" pitchFamily="18" charset="0"/>
             </a:endParaRPr>
           </a:p>
@@ -3688,10 +3671,9 @@
           <a:p>
             <a:pPr eaLnBrk="1" hangingPunct="1"/>
             <a:r>
-              <a:rPr lang="fr-FR" altLang="fr-FR" dirty="0" smtClean="0"/>
+              <a:rPr lang="fr-FR" altLang="fr-FR" dirty="0"/>
               <a:t>Python Avancé</a:t>
             </a:r>
-            <a:endParaRPr lang="fr-FR" altLang="fr-FR" dirty="0" smtClean="0"/>
           </a:p>
         </p:txBody>
       </p:sp>
@@ -3741,13 +3723,122 @@
   <p:clrMapOvr>
     <a:masterClrMapping/>
   </p:clrMapOvr>
-  <p:timing>
-    <p:tnLst>
-      <p:par>
-        <p:cTn id="1" dur="indefinite" restart="never" nodeType="tmRoot"/>
-      </p:par>
-    </p:tnLst>
-  </p:timing>
+</p:sld>
+</file>
+
+<file path=ppt/slides/slide2.xml><?xml version="1.0" encoding="utf-8"?>
+<p:sld xmlns:a="http://schemas.openxmlformats.org/drawingml/2006/main" xmlns:r="http://schemas.openxmlformats.org/officeDocument/2006/relationships" xmlns:p="http://schemas.openxmlformats.org/presentationml/2006/main">
+  <p:cSld>
+    <p:spTree>
+      <p:nvGrpSpPr>
+        <p:cNvPr id="1" name=""/>
+        <p:cNvGrpSpPr/>
+        <p:nvPr/>
+      </p:nvGrpSpPr>
+      <p:grpSpPr>
+        <a:xfrm>
+          <a:off x="0" y="0"/>
+          <a:ext cx="0" cy="0"/>
+          <a:chOff x="0" y="0"/>
+          <a:chExt cx="0" cy="0"/>
+        </a:xfrm>
+      </p:grpSpPr>
+      <p:sp>
+        <p:nvSpPr>
+          <p:cNvPr id="2" name="Titre 1">
+            <a:extLst>
+              <a:ext uri="{FF2B5EF4-FFF2-40B4-BE49-F238E27FC236}">
+                <a16:creationId xmlns:a16="http://schemas.microsoft.com/office/drawing/2014/main" id="{0FCF71DF-8422-4282-9D6F-78D9B04E2FC5}"/>
+              </a:ext>
+            </a:extLst>
+          </p:cNvPr>
+          <p:cNvSpPr>
+            <a:spLocks noGrp="1"/>
+          </p:cNvSpPr>
+          <p:nvPr>
+            <p:ph type="title"/>
+          </p:nvPr>
+        </p:nvSpPr>
+        <p:spPr/>
+        <p:txBody>
+          <a:bodyPr/>
+          <a:lstStyle/>
+          <a:p>
+            <a:r>
+              <a:rPr lang="fr-FR" dirty="0"/>
+              <a:t>Contact</a:t>
+            </a:r>
+          </a:p>
+        </p:txBody>
+      </p:sp>
+      <p:sp>
+        <p:nvSpPr>
+          <p:cNvPr id="3" name="Espace réservé du contenu 2">
+            <a:extLst>
+              <a:ext uri="{FF2B5EF4-FFF2-40B4-BE49-F238E27FC236}">
+                <a16:creationId xmlns:a16="http://schemas.microsoft.com/office/drawing/2014/main" id="{DC4519FA-1F6C-4742-A2C2-51C7A07A2876}"/>
+              </a:ext>
+            </a:extLst>
+          </p:cNvPr>
+          <p:cNvSpPr>
+            <a:spLocks noGrp="1"/>
+          </p:cNvSpPr>
+          <p:nvPr>
+            <p:ph idx="1"/>
+          </p:nvPr>
+        </p:nvSpPr>
+        <p:spPr/>
+        <p:txBody>
+          <a:bodyPr/>
+          <a:lstStyle/>
+          <a:p>
+            <a:r>
+              <a:rPr lang="fr-FR" dirty="0"/>
+              <a:t>Cyril Vincent</a:t>
+            </a:r>
+          </a:p>
+          <a:p>
+            <a:r>
+              <a:rPr lang="fr-FR" dirty="0"/>
+              <a:t>www.CyrilVincent.com</a:t>
+            </a:r>
+          </a:p>
+          <a:p>
+            <a:r>
+              <a:rPr lang="fr-FR" dirty="0"/>
+              <a:t>contact@cyrilvincent.com</a:t>
+            </a:r>
+          </a:p>
+          <a:p>
+            <a:r>
+              <a:rPr lang="fr-FR" dirty="0"/>
+              <a:t>0622538762</a:t>
+            </a:r>
+          </a:p>
+          <a:p>
+            <a:r>
+              <a:rPr lang="fr-FR" dirty="0"/>
+              <a:t>gregoire.sebaux@atp-formation.com</a:t>
+            </a:r>
+          </a:p>
+          <a:p>
+            <a:r>
+              <a:rPr lang="fr-FR" dirty="0"/>
+              <a:t>https://github.com/cyrilvincent/python-advanced</a:t>
+            </a:r>
+          </a:p>
+        </p:txBody>
+      </p:sp>
+    </p:spTree>
+    <p:extLst>
+      <p:ext uri="{BB962C8B-B14F-4D97-AF65-F5344CB8AC3E}">
+        <p14:creationId xmlns:p14="http://schemas.microsoft.com/office/powerpoint/2010/main" val="4236476956"/>
+      </p:ext>
+    </p:extLst>
+  </p:cSld>
+  <p:clrMapOvr>
+    <a:masterClrMapping/>
+  </p:clrMapOvr>
 </p:sld>
 </file>
 
